--- a/Creating accounts.pptx
+++ b/Creating accounts.pptx
@@ -5,15 +5,11 @@
     <p:sldMasterId id="2147483660" r:id="rId1"/>
   </p:sldMasterIdLst>
   <p:notesMasterIdLst>
-    <p:notesMasterId r:id="rId8"/>
+    <p:notesMasterId r:id="rId4"/>
   </p:notesMasterIdLst>
   <p:sldIdLst>
-    <p:sldId id="256" r:id="rId2"/>
-    <p:sldId id="698" r:id="rId3"/>
-    <p:sldId id="699" r:id="rId4"/>
-    <p:sldId id="680" r:id="rId5"/>
-    <p:sldId id="704" r:id="rId6"/>
-    <p:sldId id="705" r:id="rId7"/>
+    <p:sldId id="698" r:id="rId2"/>
+    <p:sldId id="699" r:id="rId3"/>
   </p:sldIdLst>
   <p:sldSz cx="12192000" cy="6858000"/>
   <p:notesSz cx="6858000" cy="9144000"/>
@@ -213,7 +209,7 @@
           <a:p>
             <a:fld id="{9EE6CD49-14BB-CF43-ABEC-D9DBD34BD44E}" type="datetimeFigureOut">
               <a:rPr lang="en-US" smtClean="0"/>
-              <a:t>11/23/21</a:t>
+              <a:t>6/22/22</a:t>
             </a:fld>
             <a:endParaRPr lang="en-US"/>
           </a:p>
@@ -1043,7 +1039,7 @@
           <a:p>
             <a:fld id="{7C23C5D5-AA35-B943-B6A5-B0E52E141B2A}" type="datetime1">
               <a:rPr lang="en-US" smtClean="0"/>
-              <a:t>11/23/21</a:t>
+              <a:t>6/22/22</a:t>
             </a:fld>
             <a:endParaRPr lang="en-US"/>
           </a:p>
@@ -1184,7 +1180,7 @@
           <a:p>
             <a:fld id="{831D9B2A-A537-0E46-BBB3-080670C0F82A}" type="datetime1">
               <a:rPr lang="en-US" smtClean="0"/>
-              <a:t>11/23/21</a:t>
+              <a:t>6/22/22</a:t>
             </a:fld>
             <a:endParaRPr lang="en-US"/>
           </a:p>
@@ -1297,7 +1293,7 @@
           <a:p>
             <a:fld id="{36F43099-2F68-DB44-BD42-F7F98702E92E}" type="datetime1">
               <a:rPr lang="en-US" smtClean="0"/>
-              <a:t>11/23/21</a:t>
+              <a:t>6/22/22</a:t>
             </a:fld>
             <a:endParaRPr lang="en-US"/>
           </a:p>
@@ -2197,7 +2193,7 @@
           <a:p>
             <a:fld id="{6CC0172C-FD34-6441-9CDA-4D44D472119C}" type="datetime1">
               <a:rPr lang="en-US" smtClean="0"/>
-              <a:t>11/23/21</a:t>
+              <a:t>6/22/22</a:t>
             </a:fld>
             <a:endParaRPr lang="en-US"/>
           </a:p>
@@ -2680,10 +2676,10 @@
       </p:grpSpPr>
       <p:sp>
         <p:nvSpPr>
-          <p:cNvPr id="2" name="Title 1">
-            <a:extLst>
-              <a:ext uri="{FF2B5EF4-FFF2-40B4-BE49-F238E27FC236}">
-                <a16:creationId xmlns:a16="http://schemas.microsoft.com/office/drawing/2014/main" id="{0BA99554-BF7B-9F40-801F-0ADF61CC0750}"/>
+          <p:cNvPr id="2" name="Slide Number Placeholder 1">
+            <a:extLst>
+              <a:ext uri="{FF2B5EF4-FFF2-40B4-BE49-F238E27FC236}">
+                <a16:creationId xmlns:a16="http://schemas.microsoft.com/office/drawing/2014/main" id="{BCA7A780-3100-3948-B2A5-F0B010F9B4D2}"/>
               </a:ext>
             </a:extLst>
           </p:cNvPr>
@@ -2691,7 +2687,7 @@
             <a:spLocks noGrp="1"/>
           </p:cNvSpPr>
           <p:nvPr>
-            <p:ph type="ctrTitle"/>
+            <p:ph type="sldNum" sz="quarter" idx="12"/>
           </p:nvPr>
         </p:nvSpPr>
         <p:spPr/>
@@ -2699,19 +2695,21 @@
           <a:bodyPr/>
           <a:lstStyle/>
           <a:p>
-            <a:r>
-              <a:rPr lang="en-US" dirty="0"/>
-              <a:t>Creating a Pipeline with Python</a:t>
-            </a:r>
+            <a:fld id="{A372472D-0550-4DE7-A024-EE83A718A0AB}" type="slidenum">
+              <a:rPr lang="en-US" smtClean="0"/>
+              <a:pPr/>
+              <a:t>1</a:t>
+            </a:fld>
+            <a:endParaRPr lang="en-US"/>
           </a:p>
         </p:txBody>
       </p:sp>
       <p:sp>
         <p:nvSpPr>
-          <p:cNvPr id="3" name="Subtitle 2">
-            <a:extLst>
-              <a:ext uri="{FF2B5EF4-FFF2-40B4-BE49-F238E27FC236}">
-                <a16:creationId xmlns:a16="http://schemas.microsoft.com/office/drawing/2014/main" id="{E2FAAA9C-A844-8A48-B6A2-F7C25DF3742C}"/>
+          <p:cNvPr id="3" name="Title 2">
+            <a:extLst>
+              <a:ext uri="{FF2B5EF4-FFF2-40B4-BE49-F238E27FC236}">
+                <a16:creationId xmlns:a16="http://schemas.microsoft.com/office/drawing/2014/main" id="{6797A4E6-F71E-1149-A875-1EA405C59E0C}"/>
               </a:ext>
             </a:extLst>
           </p:cNvPr>
@@ -2719,32 +2717,50 @@
             <a:spLocks noGrp="1"/>
           </p:cNvSpPr>
           <p:nvPr>
-            <p:ph type="subTitle" idx="1"/>
+            <p:ph type="title"/>
           </p:nvPr>
         </p:nvSpPr>
-        <p:spPr>
-          <a:xfrm>
-            <a:off x="5257799" y="2781300"/>
-            <a:ext cx="6343649" cy="753952"/>
-          </a:xfrm>
-        </p:spPr>
+        <p:spPr/>
         <p:txBody>
-          <a:bodyPr>
-            <a:normAutofit/>
-          </a:bodyPr>
+          <a:bodyPr/>
           <a:lstStyle/>
           <a:p>
             <a:r>
               <a:rPr lang="en-US" dirty="0"/>
-              <a:t>Fall 2021</a:t>
-            </a:r>
+              <a:t>Create a Google account</a:t>
+            </a:r>
+          </a:p>
+        </p:txBody>
+      </p:sp>
+      <p:sp>
+        <p:nvSpPr>
+          <p:cNvPr id="4" name="Text Placeholder 3">
+            <a:extLst>
+              <a:ext uri="{FF2B5EF4-FFF2-40B4-BE49-F238E27FC236}">
+                <a16:creationId xmlns:a16="http://schemas.microsoft.com/office/drawing/2014/main" id="{319F1ED0-9B07-A440-85B8-A4D0D35C05BD}"/>
+              </a:ext>
+            </a:extLst>
+          </p:cNvPr>
+          <p:cNvSpPr>
+            <a:spLocks noGrp="1"/>
+          </p:cNvSpPr>
+          <p:nvPr>
+            <p:ph type="body" idx="1"/>
+          </p:nvPr>
+        </p:nvSpPr>
+        <p:spPr/>
+        <p:txBody>
+          <a:bodyPr/>
+          <a:lstStyle/>
+          <a:p>
+            <a:endParaRPr lang="en-US"/>
           </a:p>
         </p:txBody>
       </p:sp>
     </p:spTree>
     <p:extLst>
       <p:ext uri="{BB962C8B-B14F-4D97-AF65-F5344CB8AC3E}">
-        <p14:creationId xmlns:p14="http://schemas.microsoft.com/office/powerpoint/2010/main" val="3669152938"/>
+        <p14:creationId xmlns:p14="http://schemas.microsoft.com/office/powerpoint/2010/main" val="3853205372"/>
       </p:ext>
     </p:extLst>
   </p:cSld>
@@ -2773,10 +2789,38 @@
       </p:grpSpPr>
       <p:sp>
         <p:nvSpPr>
-          <p:cNvPr id="2" name="Slide Number Placeholder 1">
-            <a:extLst>
-              <a:ext uri="{FF2B5EF4-FFF2-40B4-BE49-F238E27FC236}">
-                <a16:creationId xmlns:a16="http://schemas.microsoft.com/office/drawing/2014/main" id="{BCA7A780-3100-3948-B2A5-F0B010F9B4D2}"/>
+          <p:cNvPr id="2" name="Title 1">
+            <a:extLst>
+              <a:ext uri="{FF2B5EF4-FFF2-40B4-BE49-F238E27FC236}">
+                <a16:creationId xmlns:a16="http://schemas.microsoft.com/office/drawing/2014/main" id="{48096E3C-0EF0-BA45-AAAA-B274D45D6E44}"/>
+              </a:ext>
+            </a:extLst>
+          </p:cNvPr>
+          <p:cNvSpPr>
+            <a:spLocks noGrp="1"/>
+          </p:cNvSpPr>
+          <p:nvPr>
+            <p:ph type="title"/>
+          </p:nvPr>
+        </p:nvSpPr>
+        <p:spPr/>
+        <p:txBody>
+          <a:bodyPr/>
+          <a:lstStyle/>
+          <a:p>
+            <a:r>
+              <a:rPr lang="en-US" dirty="0"/>
+              <a:t>Create a google account</a:t>
+            </a:r>
+          </a:p>
+        </p:txBody>
+      </p:sp>
+      <p:sp>
+        <p:nvSpPr>
+          <p:cNvPr id="3" name="Slide Number Placeholder 2">
+            <a:extLst>
+              <a:ext uri="{FF2B5EF4-FFF2-40B4-BE49-F238E27FC236}">
+                <a16:creationId xmlns:a16="http://schemas.microsoft.com/office/drawing/2014/main" id="{F4A22AAE-BA7F-E747-938A-48768D3FA868}"/>
               </a:ext>
             </a:extLst>
           </p:cNvPr>
@@ -2792,150 +2836,9 @@
           <a:bodyPr/>
           <a:lstStyle/>
           <a:p>
-            <a:fld id="{A372472D-0550-4DE7-A024-EE83A718A0AB}" type="slidenum">
-              <a:rPr lang="en-US" smtClean="0"/>
-              <a:pPr/>
-              <a:t>2</a:t>
-            </a:fld>
-            <a:endParaRPr lang="en-US"/>
-          </a:p>
-        </p:txBody>
-      </p:sp>
-      <p:sp>
-        <p:nvSpPr>
-          <p:cNvPr id="3" name="Title 2">
-            <a:extLst>
-              <a:ext uri="{FF2B5EF4-FFF2-40B4-BE49-F238E27FC236}">
-                <a16:creationId xmlns:a16="http://schemas.microsoft.com/office/drawing/2014/main" id="{6797A4E6-F71E-1149-A875-1EA405C59E0C}"/>
-              </a:ext>
-            </a:extLst>
-          </p:cNvPr>
-          <p:cNvSpPr>
-            <a:spLocks noGrp="1"/>
-          </p:cNvSpPr>
-          <p:nvPr>
-            <p:ph type="title"/>
-          </p:nvPr>
-        </p:nvSpPr>
-        <p:spPr/>
-        <p:txBody>
-          <a:bodyPr/>
-          <a:lstStyle/>
-          <a:p>
-            <a:r>
-              <a:rPr lang="en-US" dirty="0"/>
-              <a:t>Create a Google account</a:t>
-            </a:r>
-          </a:p>
-        </p:txBody>
-      </p:sp>
-      <p:sp>
-        <p:nvSpPr>
-          <p:cNvPr id="4" name="Text Placeholder 3">
-            <a:extLst>
-              <a:ext uri="{FF2B5EF4-FFF2-40B4-BE49-F238E27FC236}">
-                <a16:creationId xmlns:a16="http://schemas.microsoft.com/office/drawing/2014/main" id="{319F1ED0-9B07-A440-85B8-A4D0D35C05BD}"/>
-              </a:ext>
-            </a:extLst>
-          </p:cNvPr>
-          <p:cNvSpPr>
-            <a:spLocks noGrp="1"/>
-          </p:cNvSpPr>
-          <p:nvPr>
-            <p:ph type="body" idx="1"/>
-          </p:nvPr>
-        </p:nvSpPr>
-        <p:spPr/>
-        <p:txBody>
-          <a:bodyPr/>
-          <a:lstStyle/>
-          <a:p>
-            <a:endParaRPr lang="en-US"/>
-          </a:p>
-        </p:txBody>
-      </p:sp>
-    </p:spTree>
-    <p:extLst>
-      <p:ext uri="{BB962C8B-B14F-4D97-AF65-F5344CB8AC3E}">
-        <p14:creationId xmlns:p14="http://schemas.microsoft.com/office/powerpoint/2010/main" val="3853205372"/>
-      </p:ext>
-    </p:extLst>
-  </p:cSld>
-  <p:clrMapOvr>
-    <a:masterClrMapping/>
-  </p:clrMapOvr>
-</p:sld>
-</file>
-
-<file path=ppt/slides/slide3.xml><?xml version="1.0" encoding="utf-8"?>
-<p:sld xmlns:a="http://schemas.openxmlformats.org/drawingml/2006/main" xmlns:r="http://schemas.openxmlformats.org/officeDocument/2006/relationships" xmlns:p="http://schemas.openxmlformats.org/presentationml/2006/main">
-  <p:cSld>
-    <p:spTree>
-      <p:nvGrpSpPr>
-        <p:cNvPr id="1" name=""/>
-        <p:cNvGrpSpPr/>
-        <p:nvPr/>
-      </p:nvGrpSpPr>
-      <p:grpSpPr>
-        <a:xfrm>
-          <a:off x="0" y="0"/>
-          <a:ext cx="0" cy="0"/>
-          <a:chOff x="0" y="0"/>
-          <a:chExt cx="0" cy="0"/>
-        </a:xfrm>
-      </p:grpSpPr>
-      <p:sp>
-        <p:nvSpPr>
-          <p:cNvPr id="2" name="Title 1">
-            <a:extLst>
-              <a:ext uri="{FF2B5EF4-FFF2-40B4-BE49-F238E27FC236}">
-                <a16:creationId xmlns:a16="http://schemas.microsoft.com/office/drawing/2014/main" id="{48096E3C-0EF0-BA45-AAAA-B274D45D6E44}"/>
-              </a:ext>
-            </a:extLst>
-          </p:cNvPr>
-          <p:cNvSpPr>
-            <a:spLocks noGrp="1"/>
-          </p:cNvSpPr>
-          <p:nvPr>
-            <p:ph type="title"/>
-          </p:nvPr>
-        </p:nvSpPr>
-        <p:spPr/>
-        <p:txBody>
-          <a:bodyPr/>
-          <a:lstStyle/>
-          <a:p>
-            <a:r>
-              <a:rPr lang="en-US" dirty="0"/>
-              <a:t>Create a google account</a:t>
-            </a:r>
-          </a:p>
-        </p:txBody>
-      </p:sp>
-      <p:sp>
-        <p:nvSpPr>
-          <p:cNvPr id="3" name="Slide Number Placeholder 2">
-            <a:extLst>
-              <a:ext uri="{FF2B5EF4-FFF2-40B4-BE49-F238E27FC236}">
-                <a16:creationId xmlns:a16="http://schemas.microsoft.com/office/drawing/2014/main" id="{F4A22AAE-BA7F-E747-938A-48768D3FA868}"/>
-              </a:ext>
-            </a:extLst>
-          </p:cNvPr>
-          <p:cNvSpPr>
-            <a:spLocks noGrp="1"/>
-          </p:cNvSpPr>
-          <p:nvPr>
-            <p:ph type="sldNum" sz="quarter" idx="12"/>
-          </p:nvPr>
-        </p:nvSpPr>
-        <p:spPr/>
-        <p:txBody>
-          <a:bodyPr/>
-          <a:lstStyle/>
-          <a:p>
             <a:fld id="{FD268959-0C7B-DE40-B0DF-834DF71CC0C8}" type="slidenum">
               <a:rPr lang="en-US" smtClean="0"/>
-              <a:t>3</a:t>
+              <a:t>2</a:t>
             </a:fld>
             <a:endParaRPr lang="en-US"/>
           </a:p>
@@ -3313,920 +3216,6 @@
     <p:extLst>
       <p:ext uri="{BB962C8B-B14F-4D97-AF65-F5344CB8AC3E}">
         <p14:creationId xmlns:p14="http://schemas.microsoft.com/office/powerpoint/2010/main" val="183951186"/>
-      </p:ext>
-    </p:extLst>
-  </p:cSld>
-  <p:clrMapOvr>
-    <a:masterClrMapping/>
-  </p:clrMapOvr>
-</p:sld>
-</file>
-
-<file path=ppt/slides/slide4.xml><?xml version="1.0" encoding="utf-8"?>
-<p:sld xmlns:a="http://schemas.openxmlformats.org/drawingml/2006/main" xmlns:r="http://schemas.openxmlformats.org/officeDocument/2006/relationships" xmlns:p="http://schemas.openxmlformats.org/presentationml/2006/main">
-  <p:cSld>
-    <p:spTree>
-      <p:nvGrpSpPr>
-        <p:cNvPr id="1" name=""/>
-        <p:cNvGrpSpPr/>
-        <p:nvPr/>
-      </p:nvGrpSpPr>
-      <p:grpSpPr>
-        <a:xfrm>
-          <a:off x="0" y="0"/>
-          <a:ext cx="0" cy="0"/>
-          <a:chOff x="0" y="0"/>
-          <a:chExt cx="0" cy="0"/>
-        </a:xfrm>
-      </p:grpSpPr>
-      <p:sp>
-        <p:nvSpPr>
-          <p:cNvPr id="2" name="Slide Number Placeholder 1">
-            <a:extLst>
-              <a:ext uri="{FF2B5EF4-FFF2-40B4-BE49-F238E27FC236}">
-                <a16:creationId xmlns:a16="http://schemas.microsoft.com/office/drawing/2014/main" id="{7B6823B0-FFE3-FB4B-B7A3-EBEC3DDC79C4}"/>
-              </a:ext>
-            </a:extLst>
-          </p:cNvPr>
-          <p:cNvSpPr>
-            <a:spLocks noGrp="1"/>
-          </p:cNvSpPr>
-          <p:nvPr>
-            <p:ph type="sldNum" sz="quarter" idx="12"/>
-          </p:nvPr>
-        </p:nvSpPr>
-        <p:spPr/>
-        <p:txBody>
-          <a:bodyPr/>
-          <a:lstStyle/>
-          <a:p>
-            <a:fld id="{A372472D-0550-4DE7-A024-EE83A718A0AB}" type="slidenum">
-              <a:rPr lang="en-US" smtClean="0"/>
-              <a:pPr/>
-              <a:t>4</a:t>
-            </a:fld>
-            <a:endParaRPr lang="en-US"/>
-          </a:p>
-        </p:txBody>
-      </p:sp>
-      <p:sp>
-        <p:nvSpPr>
-          <p:cNvPr id="3" name="Title 2">
-            <a:extLst>
-              <a:ext uri="{FF2B5EF4-FFF2-40B4-BE49-F238E27FC236}">
-                <a16:creationId xmlns:a16="http://schemas.microsoft.com/office/drawing/2014/main" id="{80B46956-61EE-254B-8CD9-DEB05E323F59}"/>
-              </a:ext>
-            </a:extLst>
-          </p:cNvPr>
-          <p:cNvSpPr>
-            <a:spLocks noGrp="1"/>
-          </p:cNvSpPr>
-          <p:nvPr>
-            <p:ph type="title"/>
-          </p:nvPr>
-        </p:nvSpPr>
-        <p:spPr/>
-        <p:txBody>
-          <a:bodyPr/>
-          <a:lstStyle/>
-          <a:p>
-            <a:r>
-              <a:rPr lang="en-US" dirty="0"/>
-              <a:t>Create a Kaggle account</a:t>
-            </a:r>
-          </a:p>
-        </p:txBody>
-      </p:sp>
-      <p:sp>
-        <p:nvSpPr>
-          <p:cNvPr id="4" name="Text Placeholder 3">
-            <a:extLst>
-              <a:ext uri="{FF2B5EF4-FFF2-40B4-BE49-F238E27FC236}">
-                <a16:creationId xmlns:a16="http://schemas.microsoft.com/office/drawing/2014/main" id="{7681A205-2F0E-5F4A-8486-461E578A2D30}"/>
-              </a:ext>
-            </a:extLst>
-          </p:cNvPr>
-          <p:cNvSpPr>
-            <a:spLocks noGrp="1"/>
-          </p:cNvSpPr>
-          <p:nvPr>
-            <p:ph type="body" idx="1"/>
-          </p:nvPr>
-        </p:nvSpPr>
-        <p:spPr/>
-        <p:txBody>
-          <a:bodyPr/>
-          <a:lstStyle/>
-          <a:p>
-            <a:endParaRPr lang="en-US"/>
-          </a:p>
-        </p:txBody>
-      </p:sp>
-    </p:spTree>
-    <p:extLst>
-      <p:ext uri="{BB962C8B-B14F-4D97-AF65-F5344CB8AC3E}">
-        <p14:creationId xmlns:p14="http://schemas.microsoft.com/office/powerpoint/2010/main" val="3860186802"/>
-      </p:ext>
-    </p:extLst>
-  </p:cSld>
-  <p:clrMapOvr>
-    <a:masterClrMapping/>
-  </p:clrMapOvr>
-</p:sld>
-</file>
-
-<file path=ppt/slides/slide5.xml><?xml version="1.0" encoding="utf-8"?>
-<p:sld xmlns:a="http://schemas.openxmlformats.org/drawingml/2006/main" xmlns:r="http://schemas.openxmlformats.org/officeDocument/2006/relationships" xmlns:p="http://schemas.openxmlformats.org/presentationml/2006/main">
-  <p:cSld>
-    <p:spTree>
-      <p:nvGrpSpPr>
-        <p:cNvPr id="1" name=""/>
-        <p:cNvGrpSpPr/>
-        <p:nvPr/>
-      </p:nvGrpSpPr>
-      <p:grpSpPr>
-        <a:xfrm>
-          <a:off x="0" y="0"/>
-          <a:ext cx="0" cy="0"/>
-          <a:chOff x="0" y="0"/>
-          <a:chExt cx="0" cy="0"/>
-        </a:xfrm>
-      </p:grpSpPr>
-      <p:sp>
-        <p:nvSpPr>
-          <p:cNvPr id="2" name="Title 1">
-            <a:extLst>
-              <a:ext uri="{FF2B5EF4-FFF2-40B4-BE49-F238E27FC236}">
-                <a16:creationId xmlns:a16="http://schemas.microsoft.com/office/drawing/2014/main" id="{E64177FA-B2EE-AB4D-9F80-52D7B868118B}"/>
-              </a:ext>
-            </a:extLst>
-          </p:cNvPr>
-          <p:cNvSpPr>
-            <a:spLocks noGrp="1"/>
-          </p:cNvSpPr>
-          <p:nvPr>
-            <p:ph type="title"/>
-          </p:nvPr>
-        </p:nvSpPr>
-        <p:spPr/>
-        <p:txBody>
-          <a:bodyPr/>
-          <a:lstStyle/>
-          <a:p>
-            <a:r>
-              <a:rPr lang="en-US" dirty="0"/>
-              <a:t>Create a Kaggle account</a:t>
-            </a:r>
-          </a:p>
-        </p:txBody>
-      </p:sp>
-      <p:sp>
-        <p:nvSpPr>
-          <p:cNvPr id="3" name="Slide Number Placeholder 2">
-            <a:extLst>
-              <a:ext uri="{FF2B5EF4-FFF2-40B4-BE49-F238E27FC236}">
-                <a16:creationId xmlns:a16="http://schemas.microsoft.com/office/drawing/2014/main" id="{B6E3766C-C5D9-EA4A-81F6-2E502FA515C9}"/>
-              </a:ext>
-            </a:extLst>
-          </p:cNvPr>
-          <p:cNvSpPr>
-            <a:spLocks noGrp="1"/>
-          </p:cNvSpPr>
-          <p:nvPr>
-            <p:ph type="sldNum" sz="quarter" idx="12"/>
-          </p:nvPr>
-        </p:nvSpPr>
-        <p:spPr/>
-        <p:txBody>
-          <a:bodyPr/>
-          <a:lstStyle/>
-          <a:p>
-            <a:fld id="{FD268959-0C7B-DE40-B0DF-834DF71CC0C8}" type="slidenum">
-              <a:rPr lang="en-US" smtClean="0"/>
-              <a:t>5</a:t>
-            </a:fld>
-            <a:endParaRPr lang="en-US"/>
-          </a:p>
-        </p:txBody>
-      </p:sp>
-      <p:pic>
-        <p:nvPicPr>
-          <p:cNvPr id="4" name="Picture 3">
-            <a:extLst>
-              <a:ext uri="{FF2B5EF4-FFF2-40B4-BE49-F238E27FC236}">
-                <a16:creationId xmlns:a16="http://schemas.microsoft.com/office/drawing/2014/main" id="{2CDF3DFD-844B-A44C-8BF0-81FB5DB9BCA1}"/>
-              </a:ext>
-            </a:extLst>
-          </p:cNvPr>
-          <p:cNvPicPr>
-            <a:picLocks noChangeAspect="1"/>
-          </p:cNvPicPr>
-          <p:nvPr/>
-        </p:nvPicPr>
-        <p:blipFill>
-          <a:blip r:embed="rId2"/>
-          <a:stretch>
-            <a:fillRect/>
-          </a:stretch>
-        </p:blipFill>
-        <p:spPr>
-          <a:xfrm>
-            <a:off x="399626" y="1420163"/>
-            <a:ext cx="4189216" cy="3270369"/>
-          </a:xfrm>
-          <a:prstGeom prst="rect">
-            <a:avLst/>
-          </a:prstGeom>
-        </p:spPr>
-      </p:pic>
-      <p:pic>
-        <p:nvPicPr>
-          <p:cNvPr id="5" name="Picture 4">
-            <a:extLst>
-              <a:ext uri="{FF2B5EF4-FFF2-40B4-BE49-F238E27FC236}">
-                <a16:creationId xmlns:a16="http://schemas.microsoft.com/office/drawing/2014/main" id="{A78D4DD3-155A-964C-8ABA-41715D2FED32}"/>
-              </a:ext>
-            </a:extLst>
-          </p:cNvPr>
-          <p:cNvPicPr>
-            <a:picLocks noChangeAspect="1"/>
-          </p:cNvPicPr>
-          <p:nvPr/>
-        </p:nvPicPr>
-        <p:blipFill>
-          <a:blip r:embed="rId3"/>
-          <a:stretch>
-            <a:fillRect/>
-          </a:stretch>
-        </p:blipFill>
-        <p:spPr>
-          <a:xfrm>
-            <a:off x="4785271" y="1420163"/>
-            <a:ext cx="1971036" cy="2255097"/>
-          </a:xfrm>
-          <a:prstGeom prst="rect">
-            <a:avLst/>
-          </a:prstGeom>
-        </p:spPr>
-      </p:pic>
-      <p:pic>
-        <p:nvPicPr>
-          <p:cNvPr id="6" name="Picture 5">
-            <a:extLst>
-              <a:ext uri="{FF2B5EF4-FFF2-40B4-BE49-F238E27FC236}">
-                <a16:creationId xmlns:a16="http://schemas.microsoft.com/office/drawing/2014/main" id="{67EC29F9-469D-564F-9AAA-EE3E7F0E268D}"/>
-              </a:ext>
-            </a:extLst>
-          </p:cNvPr>
-          <p:cNvPicPr>
-            <a:picLocks noChangeAspect="1"/>
-          </p:cNvPicPr>
-          <p:nvPr/>
-        </p:nvPicPr>
-        <p:blipFill>
-          <a:blip r:embed="rId4"/>
-          <a:stretch>
-            <a:fillRect/>
-          </a:stretch>
-        </p:blipFill>
-        <p:spPr>
-          <a:xfrm>
-            <a:off x="9897906" y="1428749"/>
-            <a:ext cx="2029968" cy="2175263"/>
-          </a:xfrm>
-          <a:prstGeom prst="rect">
-            <a:avLst/>
-          </a:prstGeom>
-        </p:spPr>
-      </p:pic>
-      <p:pic>
-        <p:nvPicPr>
-          <p:cNvPr id="7" name="Picture 6">
-            <a:extLst>
-              <a:ext uri="{FF2B5EF4-FFF2-40B4-BE49-F238E27FC236}">
-                <a16:creationId xmlns:a16="http://schemas.microsoft.com/office/drawing/2014/main" id="{41D8DB0B-255B-5542-AC77-C9420472FAE8}"/>
-              </a:ext>
-            </a:extLst>
-          </p:cNvPr>
-          <p:cNvPicPr>
-            <a:picLocks noChangeAspect="1"/>
-          </p:cNvPicPr>
-          <p:nvPr/>
-        </p:nvPicPr>
-        <p:blipFill>
-          <a:blip r:embed="rId5"/>
-          <a:stretch>
-            <a:fillRect/>
-          </a:stretch>
-        </p:blipFill>
-        <p:spPr>
-          <a:xfrm>
-            <a:off x="7183032" y="1420163"/>
-            <a:ext cx="2014248" cy="2994475"/>
-          </a:xfrm>
-          <a:prstGeom prst="rect">
-            <a:avLst/>
-          </a:prstGeom>
-        </p:spPr>
-      </p:pic>
-    </p:spTree>
-    <p:extLst>
-      <p:ext uri="{BB962C8B-B14F-4D97-AF65-F5344CB8AC3E}">
-        <p14:creationId xmlns:p14="http://schemas.microsoft.com/office/powerpoint/2010/main" val="2040070424"/>
-      </p:ext>
-    </p:extLst>
-  </p:cSld>
-  <p:clrMapOvr>
-    <a:masterClrMapping/>
-  </p:clrMapOvr>
-</p:sld>
-</file>
-
-<file path=ppt/slides/slide6.xml><?xml version="1.0" encoding="utf-8"?>
-<p:sld xmlns:a="http://schemas.openxmlformats.org/drawingml/2006/main" xmlns:r="http://schemas.openxmlformats.org/officeDocument/2006/relationships" xmlns:p="http://schemas.openxmlformats.org/presentationml/2006/main">
-  <p:cSld>
-    <p:spTree>
-      <p:nvGrpSpPr>
-        <p:cNvPr id="1" name=""/>
-        <p:cNvGrpSpPr/>
-        <p:nvPr/>
-      </p:nvGrpSpPr>
-      <p:grpSpPr>
-        <a:xfrm>
-          <a:off x="0" y="0"/>
-          <a:ext cx="0" cy="0"/>
-          <a:chOff x="0" y="0"/>
-          <a:chExt cx="0" cy="0"/>
-        </a:xfrm>
-      </p:grpSpPr>
-      <p:sp>
-        <p:nvSpPr>
-          <p:cNvPr id="2" name="Title 1">
-            <a:extLst>
-              <a:ext uri="{FF2B5EF4-FFF2-40B4-BE49-F238E27FC236}">
-                <a16:creationId xmlns:a16="http://schemas.microsoft.com/office/drawing/2014/main" id="{4C829E3E-F80A-A144-B0B6-E37DA81BABEB}"/>
-              </a:ext>
-            </a:extLst>
-          </p:cNvPr>
-          <p:cNvSpPr>
-            <a:spLocks noGrp="1"/>
-          </p:cNvSpPr>
-          <p:nvPr>
-            <p:ph type="title"/>
-          </p:nvPr>
-        </p:nvSpPr>
-        <p:spPr/>
-        <p:txBody>
-          <a:bodyPr/>
-          <a:lstStyle/>
-          <a:p>
-            <a:r>
-              <a:rPr lang="en-US" dirty="0"/>
-              <a:t>Get a Kaggle API Token</a:t>
-            </a:r>
-          </a:p>
-        </p:txBody>
-      </p:sp>
-      <p:sp>
-        <p:nvSpPr>
-          <p:cNvPr id="3" name="Slide Number Placeholder 2">
-            <a:extLst>
-              <a:ext uri="{FF2B5EF4-FFF2-40B4-BE49-F238E27FC236}">
-                <a16:creationId xmlns:a16="http://schemas.microsoft.com/office/drawing/2014/main" id="{9B3E7ECF-D96F-7447-8567-96786F8DC5F4}"/>
-              </a:ext>
-            </a:extLst>
-          </p:cNvPr>
-          <p:cNvSpPr>
-            <a:spLocks noGrp="1"/>
-          </p:cNvSpPr>
-          <p:nvPr>
-            <p:ph type="sldNum" sz="quarter" idx="12"/>
-          </p:nvPr>
-        </p:nvSpPr>
-        <p:spPr/>
-        <p:txBody>
-          <a:bodyPr/>
-          <a:lstStyle/>
-          <a:p>
-            <a:fld id="{FD268959-0C7B-DE40-B0DF-834DF71CC0C8}" type="slidenum">
-              <a:rPr lang="en-US" smtClean="0"/>
-              <a:t>6</a:t>
-            </a:fld>
-            <a:endParaRPr lang="en-US"/>
-          </a:p>
-        </p:txBody>
-      </p:sp>
-      <p:pic>
-        <p:nvPicPr>
-          <p:cNvPr id="4" name="Picture 3">
-            <a:extLst>
-              <a:ext uri="{FF2B5EF4-FFF2-40B4-BE49-F238E27FC236}">
-                <a16:creationId xmlns:a16="http://schemas.microsoft.com/office/drawing/2014/main" id="{F0146651-B5FC-2E4D-A3DB-912CD903B4E5}"/>
-              </a:ext>
-            </a:extLst>
-          </p:cNvPr>
-          <p:cNvPicPr>
-            <a:picLocks noChangeAspect="1"/>
-          </p:cNvPicPr>
-          <p:nvPr/>
-        </p:nvPicPr>
-        <p:blipFill>
-          <a:blip r:embed="rId2"/>
-          <a:stretch>
-            <a:fillRect/>
-          </a:stretch>
-        </p:blipFill>
-        <p:spPr>
-          <a:xfrm>
-            <a:off x="505932" y="1612053"/>
-            <a:ext cx="4402519" cy="3241040"/>
-          </a:xfrm>
-          <a:prstGeom prst="rect">
-            <a:avLst/>
-          </a:prstGeom>
-        </p:spPr>
-      </p:pic>
-      <p:pic>
-        <p:nvPicPr>
-          <p:cNvPr id="5" name="Picture 4">
-            <a:extLst>
-              <a:ext uri="{FF2B5EF4-FFF2-40B4-BE49-F238E27FC236}">
-                <a16:creationId xmlns:a16="http://schemas.microsoft.com/office/drawing/2014/main" id="{EF6BA185-FC89-794B-83F9-909CEEC2F13E}"/>
-              </a:ext>
-            </a:extLst>
-          </p:cNvPr>
-          <p:cNvPicPr>
-            <a:picLocks noChangeAspect="1"/>
-          </p:cNvPicPr>
-          <p:nvPr/>
-        </p:nvPicPr>
-        <p:blipFill>
-          <a:blip r:embed="rId3"/>
-          <a:stretch>
-            <a:fillRect/>
-          </a:stretch>
-        </p:blipFill>
-        <p:spPr>
-          <a:xfrm>
-            <a:off x="5101540" y="1612053"/>
-            <a:ext cx="2639533" cy="2522220"/>
-          </a:xfrm>
-          <a:prstGeom prst="rect">
-            <a:avLst/>
-          </a:prstGeom>
-          <a:ln>
-            <a:solidFill>
-              <a:schemeClr val="tx2"/>
-            </a:solidFill>
-          </a:ln>
-        </p:spPr>
-      </p:pic>
-      <p:sp>
-        <p:nvSpPr>
-          <p:cNvPr id="6" name="Rectangle 5">
-            <a:extLst>
-              <a:ext uri="{FF2B5EF4-FFF2-40B4-BE49-F238E27FC236}">
-                <a16:creationId xmlns:a16="http://schemas.microsoft.com/office/drawing/2014/main" id="{53ECB6DD-76CD-2A4D-8B35-E2975F4338CF}"/>
-              </a:ext>
-            </a:extLst>
-          </p:cNvPr>
-          <p:cNvSpPr/>
-          <p:nvPr/>
-        </p:nvSpPr>
-        <p:spPr>
-          <a:xfrm>
-            <a:off x="5428826" y="1706880"/>
-            <a:ext cx="1334347" cy="257387"/>
-          </a:xfrm>
-          <a:prstGeom prst="rect">
-            <a:avLst/>
-          </a:prstGeom>
-          <a:solidFill>
-            <a:schemeClr val="bg1"/>
-          </a:solidFill>
-        </p:spPr>
-        <p:style>
-          <a:lnRef idx="2">
-            <a:schemeClr val="accent1">
-              <a:shade val="50000"/>
-            </a:schemeClr>
-          </a:lnRef>
-          <a:fillRef idx="1">
-            <a:schemeClr val="accent1"/>
-          </a:fillRef>
-          <a:effectRef idx="0">
-            <a:schemeClr val="accent1"/>
-          </a:effectRef>
-          <a:fontRef idx="minor">
-            <a:schemeClr val="lt1"/>
-          </a:fontRef>
-        </p:style>
-        <p:txBody>
-          <a:bodyPr rtlCol="0" anchor="ctr"/>
-          <a:lstStyle/>
-          <a:p>
-            <a:pPr algn="ctr"/>
-            <a:r>
-              <a:rPr lang="en-US" sz="1000" dirty="0">
-                <a:solidFill>
-                  <a:schemeClr val="tx1"/>
-                </a:solidFill>
-              </a:rPr>
-              <a:t>your name is here</a:t>
-            </a:r>
-          </a:p>
-        </p:txBody>
-      </p:sp>
-      <p:pic>
-        <p:nvPicPr>
-          <p:cNvPr id="7" name="Picture 6">
-            <a:extLst>
-              <a:ext uri="{FF2B5EF4-FFF2-40B4-BE49-F238E27FC236}">
-                <a16:creationId xmlns:a16="http://schemas.microsoft.com/office/drawing/2014/main" id="{1C3D351C-DD00-BD43-BCCD-7C5F8AC960FE}"/>
-              </a:ext>
-            </a:extLst>
-          </p:cNvPr>
-          <p:cNvPicPr>
-            <a:picLocks noChangeAspect="1"/>
-          </p:cNvPicPr>
-          <p:nvPr/>
-        </p:nvPicPr>
-        <p:blipFill>
-          <a:blip r:embed="rId4"/>
-          <a:stretch>
-            <a:fillRect/>
-          </a:stretch>
-        </p:blipFill>
-        <p:spPr>
-          <a:xfrm>
-            <a:off x="5687533" y="2894164"/>
-            <a:ext cx="6096000" cy="1490134"/>
-          </a:xfrm>
-          <a:prstGeom prst="rect">
-            <a:avLst/>
-          </a:prstGeom>
-          <a:ln>
-            <a:solidFill>
-              <a:schemeClr val="tx2"/>
-            </a:solidFill>
-          </a:ln>
-        </p:spPr>
-      </p:pic>
-      <p:sp>
-        <p:nvSpPr>
-          <p:cNvPr id="8" name="Oval 7">
-            <a:extLst>
-              <a:ext uri="{FF2B5EF4-FFF2-40B4-BE49-F238E27FC236}">
-                <a16:creationId xmlns:a16="http://schemas.microsoft.com/office/drawing/2014/main" id="{9669E20F-A075-9447-BBF4-DA3CB279ACFD}"/>
-              </a:ext>
-            </a:extLst>
-          </p:cNvPr>
-          <p:cNvSpPr/>
-          <p:nvPr/>
-        </p:nvSpPr>
-        <p:spPr>
-          <a:xfrm>
-            <a:off x="5025976" y="2384914"/>
-            <a:ext cx="1379542" cy="442904"/>
-          </a:xfrm>
-          <a:prstGeom prst="ellipse">
-            <a:avLst/>
-          </a:prstGeom>
-          <a:noFill/>
-          <a:ln w="28575"/>
-        </p:spPr>
-        <p:style>
-          <a:lnRef idx="2">
-            <a:schemeClr val="accent1">
-              <a:shade val="50000"/>
-            </a:schemeClr>
-          </a:lnRef>
-          <a:fillRef idx="1">
-            <a:schemeClr val="accent1"/>
-          </a:fillRef>
-          <a:effectRef idx="0">
-            <a:schemeClr val="accent1"/>
-          </a:effectRef>
-          <a:fontRef idx="minor">
-            <a:schemeClr val="lt1"/>
-          </a:fontRef>
-        </p:style>
-        <p:txBody>
-          <a:bodyPr rtlCol="0" anchor="ctr"/>
-          <a:lstStyle/>
-          <a:p>
-            <a:pPr algn="ctr"/>
-            <a:endParaRPr lang="en-US"/>
-          </a:p>
-        </p:txBody>
-      </p:sp>
-      <p:sp>
-        <p:nvSpPr>
-          <p:cNvPr id="9" name="Oval 8">
-            <a:extLst>
-              <a:ext uri="{FF2B5EF4-FFF2-40B4-BE49-F238E27FC236}">
-                <a16:creationId xmlns:a16="http://schemas.microsoft.com/office/drawing/2014/main" id="{1AA7AE0D-C1CB-8F41-9A49-14B5CC2E7415}"/>
-              </a:ext>
-            </a:extLst>
-          </p:cNvPr>
-          <p:cNvSpPr/>
-          <p:nvPr/>
-        </p:nvSpPr>
-        <p:spPr>
-          <a:xfrm>
-            <a:off x="5687533" y="3912821"/>
-            <a:ext cx="1379542" cy="442904"/>
-          </a:xfrm>
-          <a:prstGeom prst="ellipse">
-            <a:avLst/>
-          </a:prstGeom>
-          <a:noFill/>
-          <a:ln w="28575"/>
-        </p:spPr>
-        <p:style>
-          <a:lnRef idx="2">
-            <a:schemeClr val="accent1">
-              <a:shade val="50000"/>
-            </a:schemeClr>
-          </a:lnRef>
-          <a:fillRef idx="1">
-            <a:schemeClr val="accent1"/>
-          </a:fillRef>
-          <a:effectRef idx="0">
-            <a:schemeClr val="accent1"/>
-          </a:effectRef>
-          <a:fontRef idx="minor">
-            <a:schemeClr val="lt1"/>
-          </a:fontRef>
-        </p:style>
-        <p:txBody>
-          <a:bodyPr rtlCol="0" anchor="ctr"/>
-          <a:lstStyle/>
-          <a:p>
-            <a:pPr algn="ctr"/>
-            <a:endParaRPr lang="en-US"/>
-          </a:p>
-        </p:txBody>
-      </p:sp>
-      <p:sp>
-        <p:nvSpPr>
-          <p:cNvPr id="10" name="Oval 9">
-            <a:extLst>
-              <a:ext uri="{FF2B5EF4-FFF2-40B4-BE49-F238E27FC236}">
-                <a16:creationId xmlns:a16="http://schemas.microsoft.com/office/drawing/2014/main" id="{89A3EE20-D487-A640-89BB-3749D6DFF949}"/>
-              </a:ext>
-            </a:extLst>
-          </p:cNvPr>
-          <p:cNvSpPr/>
-          <p:nvPr/>
-        </p:nvSpPr>
-        <p:spPr>
-          <a:xfrm>
-            <a:off x="4283127" y="1643283"/>
-            <a:ext cx="742849" cy="309211"/>
-          </a:xfrm>
-          <a:prstGeom prst="ellipse">
-            <a:avLst/>
-          </a:prstGeom>
-          <a:noFill/>
-          <a:ln w="28575"/>
-        </p:spPr>
-        <p:style>
-          <a:lnRef idx="2">
-            <a:schemeClr val="accent1">
-              <a:shade val="50000"/>
-            </a:schemeClr>
-          </a:lnRef>
-          <a:fillRef idx="1">
-            <a:schemeClr val="accent1"/>
-          </a:fillRef>
-          <a:effectRef idx="0">
-            <a:schemeClr val="accent1"/>
-          </a:effectRef>
-          <a:fontRef idx="minor">
-            <a:schemeClr val="lt1"/>
-          </a:fontRef>
-        </p:style>
-        <p:txBody>
-          <a:bodyPr rtlCol="0" anchor="ctr"/>
-          <a:lstStyle/>
-          <a:p>
-            <a:pPr algn="ctr"/>
-            <a:endParaRPr lang="en-US"/>
-          </a:p>
-        </p:txBody>
-      </p:sp>
-      <p:sp>
-        <p:nvSpPr>
-          <p:cNvPr id="11" name="TextBox 10">
-            <a:extLst>
-              <a:ext uri="{FF2B5EF4-FFF2-40B4-BE49-F238E27FC236}">
-                <a16:creationId xmlns:a16="http://schemas.microsoft.com/office/drawing/2014/main" id="{C75EEC89-1E5C-AF49-8633-20976D5A2716}"/>
-              </a:ext>
-            </a:extLst>
-          </p:cNvPr>
-          <p:cNvSpPr txBox="1"/>
-          <p:nvPr/>
-        </p:nvSpPr>
-        <p:spPr>
-          <a:xfrm>
-            <a:off x="4908451" y="4682714"/>
-            <a:ext cx="6853158" cy="1477328"/>
-          </a:xfrm>
-          <a:prstGeom prst="rect">
-            <a:avLst/>
-          </a:prstGeom>
-          <a:noFill/>
-        </p:spPr>
-        <p:txBody>
-          <a:bodyPr wrap="none" rtlCol="0">
-            <a:spAutoFit/>
-          </a:bodyPr>
-          <a:lstStyle/>
-          <a:p>
-            <a:pPr marL="342900" indent="-342900">
-              <a:buFont typeface="+mj-lt"/>
-              <a:buAutoNum type="arabicPeriod"/>
-            </a:pPr>
-            <a:r>
-              <a:rPr lang="en-US" dirty="0"/>
-              <a:t>After logging in, click on the icon at the top-right of the screen.</a:t>
-            </a:r>
-          </a:p>
-          <a:p>
-            <a:pPr marL="342900" indent="-342900">
-              <a:buFont typeface="+mj-lt"/>
-              <a:buAutoNum type="arabicPeriod"/>
-            </a:pPr>
-            <a:r>
-              <a:rPr lang="en-US" dirty="0"/>
-              <a:t>Select ‘Account’.</a:t>
-            </a:r>
-          </a:p>
-          <a:p>
-            <a:pPr marL="342900" indent="-342900">
-              <a:buFont typeface="+mj-lt"/>
-              <a:buAutoNum type="arabicPeriod"/>
-            </a:pPr>
-            <a:r>
-              <a:rPr lang="en-US" dirty="0"/>
-              <a:t>Scroll down on the Account page to ‘Create New API Token’.</a:t>
-            </a:r>
-          </a:p>
-          <a:p>
-            <a:pPr marL="342900" indent="-342900">
-              <a:buFont typeface="+mj-lt"/>
-              <a:buAutoNum type="arabicPeriod"/>
-            </a:pPr>
-            <a:r>
-              <a:rPr lang="en-US" dirty="0"/>
-              <a:t>Save the token.  It will be saved as </a:t>
-            </a:r>
-            <a:r>
-              <a:rPr lang="en-US" dirty="0" err="1"/>
-              <a:t>kaggle.json</a:t>
-            </a:r>
-            <a:endParaRPr lang="en-US" dirty="0"/>
-          </a:p>
-          <a:p>
-            <a:pPr marL="342900" indent="-342900">
-              <a:buFont typeface="+mj-lt"/>
-              <a:buAutoNum type="arabicPeriod"/>
-            </a:pPr>
-            <a:endParaRPr lang="en-US" dirty="0"/>
-          </a:p>
-        </p:txBody>
-      </p:sp>
-      <p:sp>
-        <p:nvSpPr>
-          <p:cNvPr id="12" name="TextBox 11">
-            <a:extLst>
-              <a:ext uri="{FF2B5EF4-FFF2-40B4-BE49-F238E27FC236}">
-                <a16:creationId xmlns:a16="http://schemas.microsoft.com/office/drawing/2014/main" id="{7BA90D9C-C8F6-FC42-8964-B9880CF0C3F7}"/>
-              </a:ext>
-            </a:extLst>
-          </p:cNvPr>
-          <p:cNvSpPr txBox="1"/>
-          <p:nvPr/>
-        </p:nvSpPr>
-        <p:spPr>
-          <a:xfrm>
-            <a:off x="4418091" y="1667083"/>
-            <a:ext cx="234904" cy="261610"/>
-          </a:xfrm>
-          <a:prstGeom prst="rect">
-            <a:avLst/>
-          </a:prstGeom>
-          <a:noFill/>
-          <a:ln>
-            <a:noFill/>
-          </a:ln>
-        </p:spPr>
-        <p:txBody>
-          <a:bodyPr wrap="square" rtlCol="0">
-            <a:spAutoFit/>
-          </a:bodyPr>
-          <a:lstStyle/>
-          <a:p>
-            <a:r>
-              <a:rPr lang="en-US" sz="1100" i="1" dirty="0">
-                <a:solidFill>
-                  <a:schemeClr val="accent1"/>
-                </a:solidFill>
-              </a:rPr>
-              <a:t>1</a:t>
-            </a:r>
-          </a:p>
-        </p:txBody>
-      </p:sp>
-      <p:sp>
-        <p:nvSpPr>
-          <p:cNvPr id="13" name="TextBox 12">
-            <a:extLst>
-              <a:ext uri="{FF2B5EF4-FFF2-40B4-BE49-F238E27FC236}">
-                <a16:creationId xmlns:a16="http://schemas.microsoft.com/office/drawing/2014/main" id="{03708F73-4C14-A142-8B67-21F43EBCA15E}"/>
-              </a:ext>
-            </a:extLst>
-          </p:cNvPr>
-          <p:cNvSpPr txBox="1"/>
-          <p:nvPr/>
-        </p:nvSpPr>
-        <p:spPr>
-          <a:xfrm>
-            <a:off x="5861095" y="2416906"/>
-            <a:ext cx="234904" cy="261610"/>
-          </a:xfrm>
-          <a:prstGeom prst="rect">
-            <a:avLst/>
-          </a:prstGeom>
-          <a:noFill/>
-          <a:ln>
-            <a:noFill/>
-          </a:ln>
-        </p:spPr>
-        <p:txBody>
-          <a:bodyPr wrap="square" rtlCol="0">
-            <a:spAutoFit/>
-          </a:bodyPr>
-          <a:lstStyle/>
-          <a:p>
-            <a:r>
-              <a:rPr lang="en-US" sz="1100" i="1" dirty="0">
-                <a:solidFill>
-                  <a:schemeClr val="accent1"/>
-                </a:solidFill>
-              </a:rPr>
-              <a:t>2</a:t>
-            </a:r>
-          </a:p>
-        </p:txBody>
-      </p:sp>
-      <p:sp>
-        <p:nvSpPr>
-          <p:cNvPr id="14" name="TextBox 13">
-            <a:extLst>
-              <a:ext uri="{FF2B5EF4-FFF2-40B4-BE49-F238E27FC236}">
-                <a16:creationId xmlns:a16="http://schemas.microsoft.com/office/drawing/2014/main" id="{725CA75D-4D89-094A-985B-6F98FC764D11}"/>
-              </a:ext>
-            </a:extLst>
-          </p:cNvPr>
-          <p:cNvSpPr txBox="1"/>
-          <p:nvPr/>
-        </p:nvSpPr>
-        <p:spPr>
-          <a:xfrm>
-            <a:off x="5743643" y="4016078"/>
-            <a:ext cx="234904" cy="261610"/>
-          </a:xfrm>
-          <a:prstGeom prst="rect">
-            <a:avLst/>
-          </a:prstGeom>
-          <a:noFill/>
-          <a:ln>
-            <a:noFill/>
-          </a:ln>
-        </p:spPr>
-        <p:txBody>
-          <a:bodyPr wrap="square" rtlCol="0">
-            <a:spAutoFit/>
-          </a:bodyPr>
-          <a:lstStyle/>
-          <a:p>
-            <a:r>
-              <a:rPr lang="en-US" sz="1100" i="1" dirty="0">
-                <a:solidFill>
-                  <a:schemeClr val="accent1"/>
-                </a:solidFill>
-              </a:rPr>
-              <a:t>3</a:t>
-            </a:r>
-          </a:p>
-        </p:txBody>
-      </p:sp>
-    </p:spTree>
-    <p:extLst>
-      <p:ext uri="{BB962C8B-B14F-4D97-AF65-F5344CB8AC3E}">
-        <p14:creationId xmlns:p14="http://schemas.microsoft.com/office/powerpoint/2010/main" val="525934727"/>
       </p:ext>
     </p:extLst>
   </p:cSld>
